--- a/Slides/SYCL_FPGA.pptx
+++ b/Slides/SYCL_FPGA.pptx
@@ -10,13 +10,13 @@
   </p:notesMasterIdLst>
   <p:sldIdLst>
     <p:sldId id="273" r:id="rId3"/>
-    <p:sldId id="275" r:id="rId4"/>
-    <p:sldId id="276" r:id="rId5"/>
+    <p:sldId id="276" r:id="rId4"/>
+    <p:sldId id="275" r:id="rId5"/>
     <p:sldId id="279" r:id="rId6"/>
     <p:sldId id="280" r:id="rId7"/>
-    <p:sldId id="281" r:id="rId8"/>
-    <p:sldId id="293" r:id="rId9"/>
-    <p:sldId id="290" r:id="rId10"/>
+    <p:sldId id="293" r:id="rId8"/>
+    <p:sldId id="290" r:id="rId9"/>
+    <p:sldId id="281" r:id="rId10"/>
     <p:sldId id="283" r:id="rId11"/>
   </p:sldIdLst>
   <p:sldSz cx="12192000" cy="6858000"/>
@@ -127,7 +127,7 @@
 <file path=ppt/revisionInfo.xml><?xml version="1.0" encoding="utf-8"?>
 <p1510:revInfo xmlns:a="http://schemas.openxmlformats.org/drawingml/2006/main" xmlns:r="http://schemas.openxmlformats.org/officeDocument/2006/relationships" xmlns:p1510="http://schemas.microsoft.com/office/powerpoint/2015/10/main">
   <p1510:revLst>
-    <p1510:client id="{73F2F897-A22A-5D44-81B7-6577744E347F}" v="793" dt="2023-01-24T05:41:58.170"/>
+    <p1510:client id="{73F2F897-A22A-5D44-81B7-6577744E347F}" v="874" dt="2023-01-25T04:57:36.041"/>
   </p1510:revLst>
 </p1510:revInfo>
 </file>
@@ -137,7 +137,7 @@
   <pc:docChgLst>
     <pc:chgData name="Woodward, Cale" userId="e20533ad-01a2-4015-a60e-3fb30981d184" providerId="ADAL" clId="{73F2F897-A22A-5D44-81B7-6577744E347F}"/>
     <pc:docChg chg="undo redo custSel addSld delSld modSld sldOrd delMainMaster">
-      <pc:chgData name="Woodward, Cale" userId="e20533ad-01a2-4015-a60e-3fb30981d184" providerId="ADAL" clId="{73F2F897-A22A-5D44-81B7-6577744E347F}" dt="2023-01-24T05:42:13.306" v="3431" actId="1076"/>
+      <pc:chgData name="Woodward, Cale" userId="e20533ad-01a2-4015-a60e-3fb30981d184" providerId="ADAL" clId="{73F2F897-A22A-5D44-81B7-6577744E347F}" dt="2023-01-25T05:18:19.482" v="4121" actId="20577"/>
       <pc:docMkLst>
         <pc:docMk/>
       </pc:docMkLst>
@@ -204,6 +204,73 @@
           <pc:sldMk cId="0" sldId="272"/>
         </pc:sldMkLst>
       </pc:sldChg>
+      <pc:sldChg chg="modSp mod">
+        <pc:chgData name="Woodward, Cale" userId="e20533ad-01a2-4015-a60e-3fb30981d184" providerId="ADAL" clId="{73F2F897-A22A-5D44-81B7-6577744E347F}" dt="2023-01-25T05:17:13.107" v="4120" actId="20577"/>
+        <pc:sldMkLst>
+          <pc:docMk/>
+          <pc:sldMk cId="3178228203" sldId="275"/>
+        </pc:sldMkLst>
+        <pc:spChg chg="mod">
+          <ac:chgData name="Woodward, Cale" userId="e20533ad-01a2-4015-a60e-3fb30981d184" providerId="ADAL" clId="{73F2F897-A22A-5D44-81B7-6577744E347F}" dt="2023-01-25T05:17:13.107" v="4120" actId="20577"/>
+          <ac:spMkLst>
+            <pc:docMk/>
+            <pc:sldMk cId="3178228203" sldId="275"/>
+            <ac:spMk id="2" creationId="{3B148F8C-873A-42DF-A5FB-7AE127AE422C}"/>
+          </ac:spMkLst>
+        </pc:spChg>
+      </pc:sldChg>
+      <pc:sldChg chg="ord">
+        <pc:chgData name="Woodward, Cale" userId="e20533ad-01a2-4015-a60e-3fb30981d184" providerId="ADAL" clId="{73F2F897-A22A-5D44-81B7-6577744E347F}" dt="2023-01-25T05:14:33.098" v="3788" actId="20578"/>
+        <pc:sldMkLst>
+          <pc:docMk/>
+          <pc:sldMk cId="4116121705" sldId="276"/>
+        </pc:sldMkLst>
+      </pc:sldChg>
+      <pc:sldChg chg="ord">
+        <pc:chgData name="Woodward, Cale" userId="e20533ad-01a2-4015-a60e-3fb30981d184" providerId="ADAL" clId="{73F2F897-A22A-5D44-81B7-6577744E347F}" dt="2023-01-25T05:04:04.294" v="3620" actId="20578"/>
+        <pc:sldMkLst>
+          <pc:docMk/>
+          <pc:sldMk cId="4176895121" sldId="279"/>
+        </pc:sldMkLst>
+      </pc:sldChg>
+      <pc:sldChg chg="modSp mod">
+        <pc:chgData name="Woodward, Cale" userId="e20533ad-01a2-4015-a60e-3fb30981d184" providerId="ADAL" clId="{73F2F897-A22A-5D44-81B7-6577744E347F}" dt="2023-01-25T05:18:19.482" v="4121" actId="20577"/>
+        <pc:sldMkLst>
+          <pc:docMk/>
+          <pc:sldMk cId="3060874917" sldId="280"/>
+        </pc:sldMkLst>
+        <pc:spChg chg="mod">
+          <ac:chgData name="Woodward, Cale" userId="e20533ad-01a2-4015-a60e-3fb30981d184" providerId="ADAL" clId="{73F2F897-A22A-5D44-81B7-6577744E347F}" dt="2023-01-25T05:18:19.482" v="4121" actId="20577"/>
+          <ac:spMkLst>
+            <pc:docMk/>
+            <pc:sldMk cId="3060874917" sldId="280"/>
+            <ac:spMk id="2" creationId="{3B148F8C-873A-42DF-A5FB-7AE127AE422C}"/>
+          </ac:spMkLst>
+        </pc:spChg>
+      </pc:sldChg>
+      <pc:sldChg chg="modSp mod">
+        <pc:chgData name="Woodward, Cale" userId="e20533ad-01a2-4015-a60e-3fb30981d184" providerId="ADAL" clId="{73F2F897-A22A-5D44-81B7-6577744E347F}" dt="2023-01-25T05:14:19.916" v="3787" actId="20577"/>
+        <pc:sldMkLst>
+          <pc:docMk/>
+          <pc:sldMk cId="2223735242" sldId="281"/>
+        </pc:sldMkLst>
+        <pc:spChg chg="mod">
+          <ac:chgData name="Woodward, Cale" userId="e20533ad-01a2-4015-a60e-3fb30981d184" providerId="ADAL" clId="{73F2F897-A22A-5D44-81B7-6577744E347F}" dt="2023-01-25T05:12:23.541" v="3761" actId="255"/>
+          <ac:spMkLst>
+            <pc:docMk/>
+            <pc:sldMk cId="2223735242" sldId="281"/>
+            <ac:spMk id="5" creationId="{00000000-0000-0000-0000-000000000000}"/>
+          </ac:spMkLst>
+        </pc:spChg>
+        <pc:spChg chg="mod">
+          <ac:chgData name="Woodward, Cale" userId="e20533ad-01a2-4015-a60e-3fb30981d184" providerId="ADAL" clId="{73F2F897-A22A-5D44-81B7-6577744E347F}" dt="2023-01-25T05:14:19.916" v="3787" actId="20577"/>
+          <ac:spMkLst>
+            <pc:docMk/>
+            <pc:sldMk cId="2223735242" sldId="281"/>
+            <ac:spMk id="24" creationId="{3C12BE01-6303-7351-5783-EA532E4517E5}"/>
+          </ac:spMkLst>
+        </pc:spChg>
+      </pc:sldChg>
       <pc:sldChg chg="modSp add del mod ord">
         <pc:chgData name="Woodward, Cale" userId="e20533ad-01a2-4015-a60e-3fb30981d184" providerId="ADAL" clId="{73F2F897-A22A-5D44-81B7-6577744E347F}" dt="2023-01-24T05:35:52.572" v="3408" actId="2696"/>
         <pc:sldMkLst>
@@ -228,13 +295,13 @@
         </pc:spChg>
       </pc:sldChg>
       <pc:sldChg chg="modSp add mod ord">
-        <pc:chgData name="Woodward, Cale" userId="e20533ad-01a2-4015-a60e-3fb30981d184" providerId="ADAL" clId="{73F2F897-A22A-5D44-81B7-6577744E347F}" dt="2023-01-24T05:37:45.012" v="3427" actId="20577"/>
+        <pc:chgData name="Woodward, Cale" userId="e20533ad-01a2-4015-a60e-3fb30981d184" providerId="ADAL" clId="{73F2F897-A22A-5D44-81B7-6577744E347F}" dt="2023-01-25T05:07:20.053" v="3627" actId="6549"/>
         <pc:sldMkLst>
           <pc:docMk/>
           <pc:sldMk cId="3878054881" sldId="283"/>
         </pc:sldMkLst>
         <pc:spChg chg="mod">
-          <ac:chgData name="Woodward, Cale" userId="e20533ad-01a2-4015-a60e-3fb30981d184" providerId="ADAL" clId="{73F2F897-A22A-5D44-81B7-6577744E347F}" dt="2023-01-24T05:28:56.939" v="3378" actId="20577"/>
+          <ac:chgData name="Woodward, Cale" userId="e20533ad-01a2-4015-a60e-3fb30981d184" providerId="ADAL" clId="{73F2F897-A22A-5D44-81B7-6577744E347F}" dt="2023-01-25T05:07:20.053" v="3627" actId="6549"/>
           <ac:spMkLst>
             <pc:docMk/>
             <pc:sldMk cId="3878054881" sldId="283"/>
@@ -1507,11 +1574,19 @@
         </pc:grpChg>
       </pc:sldChg>
       <pc:sldChg chg="addSp delSp modSp add mod ord modAnim">
-        <pc:chgData name="Woodward, Cale" userId="e20533ad-01a2-4015-a60e-3fb30981d184" providerId="ADAL" clId="{73F2F897-A22A-5D44-81B7-6577744E347F}" dt="2023-01-24T05:39:30.448" v="3428"/>
+        <pc:chgData name="Woodward, Cale" userId="e20533ad-01a2-4015-a60e-3fb30981d184" providerId="ADAL" clId="{73F2F897-A22A-5D44-81B7-6577744E347F}" dt="2023-01-25T05:04:31.676" v="3622" actId="20578"/>
         <pc:sldMkLst>
           <pc:docMk/>
           <pc:sldMk cId="2434931545" sldId="290"/>
         </pc:sldMkLst>
+        <pc:spChg chg="add mod">
+          <ac:chgData name="Woodward, Cale" userId="e20533ad-01a2-4015-a60e-3fb30981d184" providerId="ADAL" clId="{73F2F897-A22A-5D44-81B7-6577744E347F}" dt="2023-01-25T04:52:59.719" v="3462" actId="20577"/>
+          <ac:spMkLst>
+            <pc:docMk/>
+            <pc:sldMk cId="2434931545" sldId="290"/>
+            <ac:spMk id="2" creationId="{B09F7B64-C533-08D9-FDFE-847E72BEBBFC}"/>
+          </ac:spMkLst>
+        </pc:spChg>
         <pc:spChg chg="mod">
           <ac:chgData name="Woodward, Cale" userId="e20533ad-01a2-4015-a60e-3fb30981d184" providerId="ADAL" clId="{73F2F897-A22A-5D44-81B7-6577744E347F}" dt="2023-01-24T05:30:12.150" v="3404" actId="20577"/>
           <ac:spMkLst>
@@ -1585,7 +1660,7 @@
           </ac:spMkLst>
         </pc:spChg>
         <pc:spChg chg="mod">
-          <ac:chgData name="Woodward, Cale" userId="e20533ad-01a2-4015-a60e-3fb30981d184" providerId="ADAL" clId="{73F2F897-A22A-5D44-81B7-6577744E347F}" dt="2023-01-24T05:23:58.347" v="3243" actId="20577"/>
+          <ac:chgData name="Woodward, Cale" userId="e20533ad-01a2-4015-a60e-3fb30981d184" providerId="ADAL" clId="{73F2F897-A22A-5D44-81B7-6577744E347F}" dt="2023-01-25T04:55:52.742" v="3480" actId="6549"/>
           <ac:spMkLst>
             <pc:docMk/>
             <pc:sldMk cId="2434931545" sldId="290"/>
@@ -1968,7 +2043,7 @@
         </pc:grpChg>
       </pc:sldChg>
       <pc:sldChg chg="addSp delSp modSp add mod ord addAnim delAnim modAnim">
-        <pc:chgData name="Woodward, Cale" userId="e20533ad-01a2-4015-a60e-3fb30981d184" providerId="ADAL" clId="{73F2F897-A22A-5D44-81B7-6577744E347F}" dt="2023-01-24T05:42:13.306" v="3431" actId="1076"/>
+        <pc:chgData name="Woodward, Cale" userId="e20533ad-01a2-4015-a60e-3fb30981d184" providerId="ADAL" clId="{73F2F897-A22A-5D44-81B7-6577744E347F}" dt="2023-01-25T05:04:29.748" v="3621" actId="20578"/>
         <pc:sldMkLst>
           <pc:docMk/>
           <pc:sldMk cId="1459329649" sldId="293"/>
@@ -2102,7 +2177,7 @@
           </ac:spMkLst>
         </pc:spChg>
         <pc:spChg chg="mod">
-          <ac:chgData name="Woodward, Cale" userId="e20533ad-01a2-4015-a60e-3fb30981d184" providerId="ADAL" clId="{73F2F897-A22A-5D44-81B7-6577744E347F}" dt="2023-01-24T05:42:13.306" v="3431" actId="1076"/>
+          <ac:chgData name="Woodward, Cale" userId="e20533ad-01a2-4015-a60e-3fb30981d184" providerId="ADAL" clId="{73F2F897-A22A-5D44-81B7-6577744E347F}" dt="2023-01-25T04:56:27.420" v="3517" actId="6549"/>
           <ac:spMkLst>
             <pc:docMk/>
             <pc:sldMk cId="1459329649" sldId="293"/>
@@ -2863,7 +2938,7 @@
           <a:p>
             <a:fld id="{55EB82C7-1BE7-4E90-92FB-8CD68061FFD1}" type="slidenum">
               <a:rPr lang="en-US" smtClean="0"/>
-              <a:t>7</a:t>
+              <a:t>6</a:t>
             </a:fld>
             <a:endParaRPr lang="en-US"/>
           </a:p>
@@ -2947,7 +3022,7 @@
           <a:p>
             <a:fld id="{55EB82C7-1BE7-4E90-92FB-8CD68061FFD1}" type="slidenum">
               <a:rPr lang="en-US" smtClean="0"/>
-              <a:t>8</a:t>
+              <a:t>7</a:t>
             </a:fld>
             <a:endParaRPr lang="en-US"/>
           </a:p>
@@ -7336,7 +7411,7 @@
           </a:ln>
           <a:extLst>
             <a:ext uri="{C572A759-6A51-4108-AA02-DFA0A04FC94B}">
-              <ma14:wrappingTextBoxFlag xmlns:ma14="http://schemas.microsoft.com/office/mac/drawingml/2011/main" xmlns="" val="1"/>
+              <ma14:wrappingTextBoxFlag xmlns="" xmlns:ma14="http://schemas.microsoft.com/office/mac/drawingml/2011/main" val="1"/>
             </a:ext>
           </a:extLst>
         </p:spPr>
@@ -7543,7 +7618,7 @@
           </a:ln>
           <a:extLst>
             <a:ext uri="{C572A759-6A51-4108-AA02-DFA0A04FC94B}">
-              <ma14:wrappingTextBoxFlag xmlns:ma14="http://schemas.microsoft.com/office/mac/drawingml/2011/main" xmlns="" val="1"/>
+              <ma14:wrappingTextBoxFlag xmlns="" xmlns:ma14="http://schemas.microsoft.com/office/mac/drawingml/2011/main" val="1"/>
             </a:ext>
           </a:extLst>
         </p:spPr>
@@ -8718,127 +8793,6 @@
           <a:p>
             <a:r>
               <a:rPr lang="en-US" sz="2400" dirty="0"/>
-              <a:t>FPGA support is not natively built into SYCL, but instead relies on vendor supported options</a:t>
-            </a:r>
-          </a:p>
-          <a:p>
-            <a:pPr lvl="1"/>
-            <a:r>
-              <a:rPr lang="en-US" sz="2000" dirty="0"/>
-              <a:t>Different compilers (DPC++, triSYCL, ComputeCPP) will have different options</a:t>
-            </a:r>
-          </a:p>
-          <a:p>
-            <a:r>
-              <a:rPr lang="en-US" sz="2400" dirty="0"/>
-              <a:t>Optimal FPGA performance will require you to reference the vendor’s documentation</a:t>
-            </a:r>
-          </a:p>
-          <a:p>
-            <a:pPr lvl="1"/>
-            <a:r>
-              <a:rPr lang="en-US" sz="2000" dirty="0"/>
-              <a:t>For DPC++, Intel provides references in the oneAPI documentation</a:t>
-            </a:r>
-            <a:endParaRPr lang="en-US" sz="2400" dirty="0"/>
-          </a:p>
-          <a:p>
-            <a:r>
-              <a:rPr lang="en-US" sz="2400" dirty="0"/>
-              <a:t>DPC++ supports dataflow pipes, FPGA emulators, FPGA selectors, and additional tools for timing/spatial analysis</a:t>
-            </a:r>
-          </a:p>
-          <a:p>
-            <a:pPr lvl="1"/>
-            <a:r>
-              <a:rPr lang="en-US" sz="2000" dirty="0"/>
-              <a:t>These features are available via Intel extensions provided in the oneAPI toolkit</a:t>
-            </a:r>
-          </a:p>
-        </p:txBody>
-      </p:sp>
-      <p:sp>
-        <p:nvSpPr>
-          <p:cNvPr id="3" name="Title 2">
-            <a:extLst>
-              <a:ext uri="{FF2B5EF4-FFF2-40B4-BE49-F238E27FC236}">
-                <a16:creationId xmlns:a16="http://schemas.microsoft.com/office/drawing/2014/main" id="{CB1B5C22-C9E9-4DDD-0A17-C7F34F9CB7A7}"/>
-              </a:ext>
-            </a:extLst>
-          </p:cNvPr>
-          <p:cNvSpPr>
-            <a:spLocks noGrp="1"/>
-          </p:cNvSpPr>
-          <p:nvPr>
-            <p:ph type="title"/>
-          </p:nvPr>
-        </p:nvSpPr>
-        <p:spPr/>
-        <p:txBody>
-          <a:bodyPr/>
-          <a:lstStyle/>
-          <a:p>
-            <a:r>
-              <a:rPr lang="en-US" sz="4000" dirty="0"/>
-              <a:t>SYCL and FPGAs</a:t>
-            </a:r>
-          </a:p>
-        </p:txBody>
-      </p:sp>
-    </p:spTree>
-    <p:extLst>
-      <p:ext uri="{BB962C8B-B14F-4D97-AF65-F5344CB8AC3E}">
-        <p14:creationId xmlns:p14="http://schemas.microsoft.com/office/powerpoint/2010/main" val="3178228203"/>
-      </p:ext>
-    </p:extLst>
-  </p:cSld>
-  <p:clrMapOvr>
-    <a:masterClrMapping/>
-  </p:clrMapOvr>
-  <p:transition spd="med"/>
-</p:sld>
-</file>
-
-<file path=ppt/slides/slide3.xml><?xml version="1.0" encoding="utf-8"?>
-<p:sld xmlns:a="http://schemas.openxmlformats.org/drawingml/2006/main" xmlns:r="http://schemas.openxmlformats.org/officeDocument/2006/relationships" xmlns:p="http://schemas.openxmlformats.org/presentationml/2006/main">
-  <p:cSld>
-    <p:spTree>
-      <p:nvGrpSpPr>
-        <p:cNvPr id="1" name=""/>
-        <p:cNvGrpSpPr/>
-        <p:nvPr/>
-      </p:nvGrpSpPr>
-      <p:grpSpPr>
-        <a:xfrm>
-          <a:off x="0" y="0"/>
-          <a:ext cx="0" cy="0"/>
-          <a:chOff x="0" y="0"/>
-          <a:chExt cx="0" cy="0"/>
-        </a:xfrm>
-      </p:grpSpPr>
-      <p:sp>
-        <p:nvSpPr>
-          <p:cNvPr id="2" name="Text Placeholder 1">
-            <a:extLst>
-              <a:ext uri="{FF2B5EF4-FFF2-40B4-BE49-F238E27FC236}">
-                <a16:creationId xmlns:a16="http://schemas.microsoft.com/office/drawing/2014/main" id="{3B148F8C-873A-42DF-A5FB-7AE127AE422C}"/>
-              </a:ext>
-            </a:extLst>
-          </p:cNvPr>
-          <p:cNvSpPr>
-            <a:spLocks noGrp="1"/>
-          </p:cNvSpPr>
-          <p:nvPr>
-            <p:ph type="body" sz="quarter" idx="11"/>
-          </p:nvPr>
-        </p:nvSpPr>
-        <p:spPr/>
-        <p:txBody>
-          <a:bodyPr/>
-          <a:lstStyle/>
-          <a:p>
-            <a:r>
-              <a:rPr lang="en-US" sz="2400" dirty="0"/>
               <a:t>FPGAs can layout the entire instruction set on hardware at once </a:t>
             </a:r>
           </a:p>
@@ -8922,6 +8876,141 @@
     <p:extLst>
       <p:ext uri="{BB962C8B-B14F-4D97-AF65-F5344CB8AC3E}">
         <p14:creationId xmlns:p14="http://schemas.microsoft.com/office/powerpoint/2010/main" val="4116121705"/>
+      </p:ext>
+    </p:extLst>
+  </p:cSld>
+  <p:clrMapOvr>
+    <a:masterClrMapping/>
+  </p:clrMapOvr>
+  <p:transition spd="med"/>
+</p:sld>
+</file>
+
+<file path=ppt/slides/slide3.xml><?xml version="1.0" encoding="utf-8"?>
+<p:sld xmlns:a="http://schemas.openxmlformats.org/drawingml/2006/main" xmlns:r="http://schemas.openxmlformats.org/officeDocument/2006/relationships" xmlns:p="http://schemas.openxmlformats.org/presentationml/2006/main">
+  <p:cSld>
+    <p:spTree>
+      <p:nvGrpSpPr>
+        <p:cNvPr id="1" name=""/>
+        <p:cNvGrpSpPr/>
+        <p:nvPr/>
+      </p:nvGrpSpPr>
+      <p:grpSpPr>
+        <a:xfrm>
+          <a:off x="0" y="0"/>
+          <a:ext cx="0" cy="0"/>
+          <a:chOff x="0" y="0"/>
+          <a:chExt cx="0" cy="0"/>
+        </a:xfrm>
+      </p:grpSpPr>
+      <p:sp>
+        <p:nvSpPr>
+          <p:cNvPr id="2" name="Text Placeholder 1">
+            <a:extLst>
+              <a:ext uri="{FF2B5EF4-FFF2-40B4-BE49-F238E27FC236}">
+                <a16:creationId xmlns:a16="http://schemas.microsoft.com/office/drawing/2014/main" id="{3B148F8C-873A-42DF-A5FB-7AE127AE422C}"/>
+              </a:ext>
+            </a:extLst>
+          </p:cNvPr>
+          <p:cNvSpPr>
+            <a:spLocks noGrp="1"/>
+          </p:cNvSpPr>
+          <p:nvPr>
+            <p:ph type="body" sz="quarter" idx="11"/>
+          </p:nvPr>
+        </p:nvSpPr>
+        <p:spPr/>
+        <p:txBody>
+          <a:bodyPr/>
+          <a:lstStyle/>
+          <a:p>
+            <a:r>
+              <a:rPr lang="en-US" sz="2400" dirty="0"/>
+              <a:t>Unlike GPUs, which can quickly receive and execute instructions, FPGAs require ahead-of-time compilation due to lengthy place and route operations</a:t>
+            </a:r>
+          </a:p>
+          <a:p>
+            <a:pPr lvl="1"/>
+            <a:r>
+              <a:rPr lang="en-US" sz="2000" dirty="0"/>
+              <a:t>As such, they require special consideration to fit into the oneAPI programming model</a:t>
+            </a:r>
+            <a:endParaRPr lang="en-US" sz="2400" dirty="0"/>
+          </a:p>
+          <a:p>
+            <a:r>
+              <a:rPr lang="en-US" sz="2400" dirty="0"/>
+              <a:t>FPGA support is not natively built into SYCL, but instead relies on vendor supplied board support packages</a:t>
+            </a:r>
+          </a:p>
+          <a:p>
+            <a:pPr lvl="1"/>
+            <a:r>
+              <a:rPr lang="en-US" sz="2000" dirty="0"/>
+              <a:t>The BSP provides the level of abstraction needed to communicate with a particular FPGA</a:t>
+            </a:r>
+          </a:p>
+          <a:p>
+            <a:r>
+              <a:rPr lang="en-US" sz="2400" dirty="0"/>
+              <a:t>Optimal FPGA performance will require you to reference the vendor’s documentation</a:t>
+            </a:r>
+          </a:p>
+          <a:p>
+            <a:pPr lvl="1"/>
+            <a:r>
+              <a:rPr lang="en-US" sz="2000" dirty="0"/>
+              <a:t>For DPC++, Intel provides references in the oneAPI documentation</a:t>
+            </a:r>
+            <a:endParaRPr lang="en-US" sz="2400" dirty="0"/>
+          </a:p>
+          <a:p>
+            <a:r>
+              <a:rPr lang="en-US" sz="2400" dirty="0"/>
+              <a:t>DPC++ supports dataflow pipes, FPGA emulators, FPGA selectors, and additional tools for timing/spatial analysis</a:t>
+            </a:r>
+          </a:p>
+          <a:p>
+            <a:pPr lvl="1"/>
+            <a:r>
+              <a:rPr lang="en-US" sz="2000" dirty="0"/>
+              <a:t>These features are available via Intel extensions provided in the oneAPI toolkit</a:t>
+            </a:r>
+          </a:p>
+        </p:txBody>
+      </p:sp>
+      <p:sp>
+        <p:nvSpPr>
+          <p:cNvPr id="3" name="Title 2">
+            <a:extLst>
+              <a:ext uri="{FF2B5EF4-FFF2-40B4-BE49-F238E27FC236}">
+                <a16:creationId xmlns:a16="http://schemas.microsoft.com/office/drawing/2014/main" id="{CB1B5C22-C9E9-4DDD-0A17-C7F34F9CB7A7}"/>
+              </a:ext>
+            </a:extLst>
+          </p:cNvPr>
+          <p:cNvSpPr>
+            <a:spLocks noGrp="1"/>
+          </p:cNvSpPr>
+          <p:nvPr>
+            <p:ph type="title"/>
+          </p:nvPr>
+        </p:nvSpPr>
+        <p:spPr/>
+        <p:txBody>
+          <a:bodyPr/>
+          <a:lstStyle/>
+          <a:p>
+            <a:r>
+              <a:rPr lang="en-US" sz="4000" dirty="0"/>
+              <a:t>SYCL and FPGAs</a:t>
+            </a:r>
+          </a:p>
+        </p:txBody>
+      </p:sp>
+    </p:spTree>
+    <p:extLst>
+      <p:ext uri="{BB962C8B-B14F-4D97-AF65-F5344CB8AC3E}">
+        <p14:creationId xmlns:p14="http://schemas.microsoft.com/office/powerpoint/2010/main" val="3178228203"/>
       </p:ext>
     </p:extLst>
   </p:cSld>
@@ -9515,16 +9604,13 @@
             </a:r>
           </a:p>
           <a:p>
-            <a:pPr lvl="2"/>
             <a:r>
-              <a:rPr lang="en-US" sz="1600" dirty="0"/>
-              <a:t>Inform the DPCPP compiler to perform an accelerated recompile</a:t>
+              <a:rPr lang="en-US" sz="2400"/>
+              <a:t>The </a:t>
             </a:r>
-          </a:p>
-          <a:p>
             <a:r>
               <a:rPr lang="en-US" sz="2400" dirty="0"/>
-              <a:t>The FPGA emulator extension can test basic functionally without Quartus</a:t>
+              <a:t>FPGA emulator extension can test basic functionally without Quartus</a:t>
             </a:r>
           </a:p>
           <a:p>
@@ -9605,213 +9691,6 @@
 </file>
 
 <file path=ppt/slides/slide6.xml><?xml version="1.0" encoding="utf-8"?>
-<p:sld xmlns:a="http://schemas.openxmlformats.org/drawingml/2006/main" xmlns:r="http://schemas.openxmlformats.org/officeDocument/2006/relationships" xmlns:p="http://schemas.openxmlformats.org/presentationml/2006/main">
-  <p:cSld>
-    <p:spTree>
-      <p:nvGrpSpPr>
-        <p:cNvPr id="1" name=""/>
-        <p:cNvGrpSpPr/>
-        <p:nvPr/>
-      </p:nvGrpSpPr>
-      <p:grpSpPr>
-        <a:xfrm>
-          <a:off x="0" y="0"/>
-          <a:ext cx="0" cy="0"/>
-          <a:chOff x="0" y="0"/>
-          <a:chExt cx="0" cy="0"/>
-        </a:xfrm>
-      </p:grpSpPr>
-      <p:sp>
-        <p:nvSpPr>
-          <p:cNvPr id="4" name="Slide Number Placeholder 3"/>
-          <p:cNvSpPr>
-            <a:spLocks noGrp="1"/>
-          </p:cNvSpPr>
-          <p:nvPr>
-            <p:ph type="sldNum" sz="quarter" idx="10"/>
-          </p:nvPr>
-        </p:nvSpPr>
-        <p:spPr>
-          <a:xfrm>
-            <a:off x="6051121" y="6510169"/>
-            <a:ext cx="89768" cy="194669"/>
-          </a:xfrm>
-        </p:spPr>
-        <p:txBody>
-          <a:bodyPr/>
-          <a:lstStyle/>
-          <a:p>
-            <a:pPr>
-              <a:defRPr/>
-            </a:pPr>
-            <a:fld id="{D3046D45-FC88-4EF3-BBF3-C3E9EDC4F79A}" type="slidenum">
-              <a:rPr lang="en-US" smtClean="0"/>
-              <a:pPr>
-                <a:defRPr/>
-              </a:pPr>
-              <a:t>6</a:t>
-            </a:fld>
-            <a:endParaRPr lang="en-US"/>
-          </a:p>
-        </p:txBody>
-      </p:sp>
-      <p:sp>
-        <p:nvSpPr>
-          <p:cNvPr id="5" name="Text Placeholder 4"/>
-          <p:cNvSpPr>
-            <a:spLocks noGrp="1"/>
-          </p:cNvSpPr>
-          <p:nvPr>
-            <p:ph type="body" sz="quarter" idx="11"/>
-          </p:nvPr>
-        </p:nvSpPr>
-        <p:spPr>
-          <a:xfrm>
-            <a:off x="556260" y="1052006"/>
-            <a:ext cx="9983724" cy="5078791"/>
-          </a:xfrm>
-        </p:spPr>
-        <p:txBody>
-          <a:bodyPr/>
-          <a:lstStyle/>
-          <a:p>
-            <a:r>
-              <a:rPr lang="en-US" dirty="0"/>
-              <a:t>Pipes:</a:t>
-            </a:r>
-          </a:p>
-          <a:p>
-            <a:pPr lvl="1"/>
-            <a:r>
-              <a:rPr lang="en-US" dirty="0"/>
-              <a:t>Pipes are an Intel-supported SYCL extension that adds FIFO implementations to support spatial architectures on FPGAs</a:t>
-            </a:r>
-          </a:p>
-          <a:p>
-            <a:pPr lvl="2"/>
-            <a:r>
-              <a:rPr lang="en-US" sz="2000" dirty="0"/>
-              <a:t>Extension is included with the oneAPI base toolkit</a:t>
-            </a:r>
-          </a:p>
-          <a:p>
-            <a:pPr lvl="1"/>
-            <a:r>
-              <a:rPr lang="en-US" dirty="0"/>
-              <a:t>Pipes store information in registers on the FPGA, which allows for communication between kernels without using off-chip memory</a:t>
-            </a:r>
-          </a:p>
-          <a:p>
-            <a:pPr lvl="2"/>
-            <a:r>
-              <a:rPr lang="en-US" sz="2000" dirty="0"/>
-              <a:t>Types of pipes:</a:t>
-            </a:r>
-          </a:p>
-          <a:p>
-            <a:pPr lvl="3"/>
-            <a:r>
-              <a:rPr lang="en-US" sz="1800" dirty="0"/>
-              <a:t>Inter-kernel, Intra-kernel, Host, and I/O</a:t>
-            </a:r>
-          </a:p>
-          <a:p>
-            <a:pPr lvl="1"/>
-            <a:r>
-              <a:rPr lang="en-US" dirty="0"/>
-              <a:t>SYCL compliant pipes are defined as a class with static members</a:t>
-            </a:r>
-          </a:p>
-          <a:p>
-            <a:pPr lvl="2"/>
-            <a:r>
-              <a:rPr lang="en-US" sz="2000" dirty="0"/>
-              <a:t>Pipes are declared using a type alias</a:t>
-            </a:r>
-          </a:p>
-          <a:p>
-            <a:pPr lvl="2"/>
-            <a:r>
-              <a:rPr lang="en-US" sz="2000" dirty="0"/>
-              <a:t>Identifier for the pipe, data type, capacity must be specified</a:t>
-            </a:r>
-          </a:p>
-          <a:p>
-            <a:pPr lvl="1"/>
-            <a:endParaRPr lang="en-US" dirty="0"/>
-          </a:p>
-          <a:p>
-            <a:pPr lvl="1">
-              <a:buFont typeface="Wingdings" panose="05000000000000000000" pitchFamily="2" charset="2"/>
-              <a:buChar char="§"/>
-            </a:pPr>
-            <a:endParaRPr lang="en-US" dirty="0"/>
-          </a:p>
-          <a:p>
-            <a:pPr marL="55397" indent="0">
-              <a:buNone/>
-            </a:pPr>
-            <a:endParaRPr lang="en-US" sz="2000" dirty="0"/>
-          </a:p>
-          <a:p>
-            <a:pPr marL="55397" indent="0">
-              <a:buNone/>
-            </a:pPr>
-            <a:endParaRPr lang="en-US" sz="2000" dirty="0"/>
-          </a:p>
-        </p:txBody>
-      </p:sp>
-      <p:sp>
-        <p:nvSpPr>
-          <p:cNvPr id="24" name="Title 2">
-            <a:extLst>
-              <a:ext uri="{FF2B5EF4-FFF2-40B4-BE49-F238E27FC236}">
-                <a16:creationId xmlns:a16="http://schemas.microsoft.com/office/drawing/2014/main" id="{3C12BE01-6303-7351-5783-EA532E4517E5}"/>
-              </a:ext>
-            </a:extLst>
-          </p:cNvPr>
-          <p:cNvSpPr>
-            <a:spLocks noGrp="1"/>
-          </p:cNvSpPr>
-          <p:nvPr>
-            <p:ph type="title"/>
-          </p:nvPr>
-        </p:nvSpPr>
-        <p:spPr>
-          <a:xfrm>
-            <a:off x="1527175" y="0"/>
-            <a:ext cx="9415463" cy="866775"/>
-          </a:xfrm>
-        </p:spPr>
-        <p:txBody>
-          <a:bodyPr/>
-          <a:lstStyle/>
-          <a:p>
-            <a:r>
-              <a:rPr lang="en-US" sz="4000" dirty="0"/>
-              <a:t>Developing for FPGAs</a:t>
-            </a:r>
-          </a:p>
-        </p:txBody>
-      </p:sp>
-    </p:spTree>
-    <p:custDataLst>
-      <p:tags r:id="rId1"/>
-    </p:custDataLst>
-    <p:extLst>
-      <p:ext uri="{BB962C8B-B14F-4D97-AF65-F5344CB8AC3E}">
-        <p14:creationId xmlns:p14="http://schemas.microsoft.com/office/powerpoint/2010/main" val="2223735242"/>
-      </p:ext>
-    </p:extLst>
-  </p:cSld>
-  <p:clrMapOvr>
-    <a:masterClrMapping/>
-  </p:clrMapOvr>
-  <p:transition spd="med" advTm="297800"/>
-</p:sld>
-</file>
-
-<file path=ppt/slides/slide7.xml><?xml version="1.0" encoding="utf-8"?>
 <p:sld xmlns:a="http://schemas.openxmlformats.org/drawingml/2006/main" xmlns:r="http://schemas.openxmlformats.org/officeDocument/2006/relationships" xmlns:p="http://schemas.openxmlformats.org/presentationml/2006/main">
   <p:cSld>
     <p:spTree>
@@ -12039,7 +11918,7 @@
             </a:pPr>
             <a:r>
               <a:rPr lang="en-US" sz="3600" dirty="0"/>
-              <a:t>What happens when you hit compile?</a:t>
+              <a:t>What happens at compile time?</a:t>
             </a:r>
             <a:br>
               <a:rPr lang="en-US" sz="3600" dirty="0"/>
@@ -12958,7 +12837,7 @@
 </p:sld>
 </file>
 
-<file path=ppt/slides/slide8.xml><?xml version="1.0" encoding="utf-8"?>
+<file path=ppt/slides/slide7.xml><?xml version="1.0" encoding="utf-8"?>
 <p:sld xmlns:a="http://schemas.openxmlformats.org/drawingml/2006/main" xmlns:r="http://schemas.openxmlformats.org/officeDocument/2006/relationships" xmlns:p="http://schemas.openxmlformats.org/presentationml/2006/main">
   <p:cSld>
     <p:spTree>
@@ -14727,7 +14606,7 @@
                   <a:cs typeface="Helvetica"/>
                   <a:sym typeface="Helvetica"/>
                 </a:rPr>
-                <a:t>Host / CPU</a:t>
+                <a:t>Host</a:t>
               </a:r>
             </a:p>
           </p:txBody>
@@ -15297,6 +15176,52 @@
           </a:p>
         </p:txBody>
       </p:sp>
+      <p:sp>
+        <p:nvSpPr>
+          <p:cNvPr id="2" name="Text Placeholder 1">
+            <a:extLst>
+              <a:ext uri="{FF2B5EF4-FFF2-40B4-BE49-F238E27FC236}">
+                <a16:creationId xmlns:a16="http://schemas.microsoft.com/office/drawing/2014/main" id="{B09F7B64-C533-08D9-FDFE-847E72BEBBFC}"/>
+              </a:ext>
+            </a:extLst>
+          </p:cNvPr>
+          <p:cNvSpPr>
+            <a:spLocks noGrp="1"/>
+          </p:cNvSpPr>
+          <p:nvPr>
+            <p:ph type="body" sz="quarter" idx="11"/>
+          </p:nvPr>
+        </p:nvSpPr>
+        <p:spPr>
+          <a:xfrm>
+            <a:off x="1668284" y="1495585"/>
+            <a:ext cx="4395895" cy="1736421"/>
+          </a:xfrm>
+        </p:spPr>
+        <p:txBody>
+          <a:bodyPr/>
+          <a:lstStyle/>
+          <a:p>
+            <a:pPr marL="55397" indent="0">
+              <a:buNone/>
+            </a:pPr>
+            <a:r>
+              <a:rPr lang="en-US" sz="3600" dirty="0"/>
+              <a:t>What happens at runtime?</a:t>
+            </a:r>
+            <a:br>
+              <a:rPr lang="en-US" sz="3600" dirty="0"/>
+            </a:br>
+            <a:endParaRPr lang="en-US" sz="3600" dirty="0"/>
+          </a:p>
+          <a:p>
+            <a:endParaRPr lang="en-US" sz="3200" dirty="0"/>
+          </a:p>
+          <a:p>
+            <a:endParaRPr lang="en-US" sz="3200" dirty="0"/>
+          </a:p>
+        </p:txBody>
+      </p:sp>
     </p:spTree>
     <p:extLst>
       <p:ext uri="{BB962C8B-B14F-4D97-AF65-F5344CB8AC3E}">
@@ -15332,7 +15257,7 @@
                             </p:stCondLst>
                             <p:childTnLst>
                               <p:par>
-                                <p:cTn id="5" presetID="10" presetClass="entr" presetSubtype="0" fill="hold" nodeType="withEffect">
+                                <p:cTn id="5" presetID="10" presetClass="entr" presetSubtype="0" fill="hold" grpId="0" nodeType="withEffect">
                                   <p:stCondLst>
                                     <p:cond delay="0"/>
                                   </p:stCondLst>
@@ -15340,6 +15265,119 @@
                                     <p:set>
                                       <p:cBhvr>
                                         <p:cTn id="6" dur="1" fill="hold">
+                                          <p:stCondLst>
+                                            <p:cond delay="0"/>
+                                          </p:stCondLst>
+                                        </p:cTn>
+                                        <p:tgtEl>
+                                          <p:spTgt spid="2">
+                                            <p:txEl>
+                                              <p:pRg st="0" end="0"/>
+                                            </p:txEl>
+                                          </p:spTgt>
+                                        </p:tgtEl>
+                                        <p:attrNameLst>
+                                          <p:attrName>style.visibility</p:attrName>
+                                        </p:attrNameLst>
+                                      </p:cBhvr>
+                                      <p:to>
+                                        <p:strVal val="visible"/>
+                                      </p:to>
+                                    </p:set>
+                                    <p:animEffect transition="in" filter="fade">
+                                      <p:cBhvr>
+                                        <p:cTn id="7" dur="500"/>
+                                        <p:tgtEl>
+                                          <p:spTgt spid="2">
+                                            <p:txEl>
+                                              <p:pRg st="0" end="0"/>
+                                            </p:txEl>
+                                          </p:spTgt>
+                                        </p:tgtEl>
+                                      </p:cBhvr>
+                                    </p:animEffect>
+                                  </p:childTnLst>
+                                </p:cTn>
+                              </p:par>
+                            </p:childTnLst>
+                          </p:cTn>
+                        </p:par>
+                      </p:childTnLst>
+                    </p:cTn>
+                  </p:par>
+                  <p:par>
+                    <p:cTn id="8" fill="hold">
+                      <p:stCondLst>
+                        <p:cond delay="indefinite"/>
+                      </p:stCondLst>
+                      <p:childTnLst>
+                        <p:par>
+                          <p:cTn id="9" fill="hold">
+                            <p:stCondLst>
+                              <p:cond delay="0"/>
+                            </p:stCondLst>
+                            <p:childTnLst>
+                              <p:par>
+                                <p:cTn id="10" presetID="10" presetClass="exit" presetSubtype="0" fill="hold" grpId="1" nodeType="clickEffect">
+                                  <p:stCondLst>
+                                    <p:cond delay="0"/>
+                                  </p:stCondLst>
+                                  <p:childTnLst>
+                                    <p:animEffect transition="out" filter="fade">
+                                      <p:cBhvr>
+                                        <p:cTn id="11" dur="500"/>
+                                        <p:tgtEl>
+                                          <p:spTgt spid="2">
+                                            <p:txEl>
+                                              <p:pRg st="0" end="0"/>
+                                            </p:txEl>
+                                          </p:spTgt>
+                                        </p:tgtEl>
+                                      </p:cBhvr>
+                                    </p:animEffect>
+                                    <p:set>
+                                      <p:cBhvr>
+                                        <p:cTn id="12" dur="1" fill="hold">
+                                          <p:stCondLst>
+                                            <p:cond delay="499"/>
+                                          </p:stCondLst>
+                                        </p:cTn>
+                                        <p:tgtEl>
+                                          <p:spTgt spid="2">
+                                            <p:txEl>
+                                              <p:pRg st="0" end="0"/>
+                                            </p:txEl>
+                                          </p:spTgt>
+                                        </p:tgtEl>
+                                        <p:attrNameLst>
+                                          <p:attrName>style.visibility</p:attrName>
+                                        </p:attrNameLst>
+                                      </p:cBhvr>
+                                      <p:to>
+                                        <p:strVal val="hidden"/>
+                                      </p:to>
+                                    </p:set>
+                                  </p:childTnLst>
+                                </p:cTn>
+                              </p:par>
+                            </p:childTnLst>
+                          </p:cTn>
+                        </p:par>
+                        <p:par>
+                          <p:cTn id="13" fill="hold">
+                            <p:stCondLst>
+                              <p:cond delay="500"/>
+                            </p:stCondLst>
+                            <p:childTnLst>
+                              <p:par>
+                                <p:cTn id="14" presetID="10" presetClass="entr" presetSubtype="0" fill="hold" nodeType="afterEffect">
+                                  <p:stCondLst>
+                                    <p:cond delay="0"/>
+                                  </p:stCondLst>
+                                  <p:childTnLst>
+                                    <p:set>
+                                      <p:cBhvr>
+                                        <p:cTn id="15" dur="1" fill="hold">
                                           <p:stCondLst>
                                             <p:cond delay="0"/>
                                           </p:stCondLst>
@@ -15357,7 +15395,7 @@
                                     </p:set>
                                     <p:animEffect transition="in" filter="fade">
                                       <p:cBhvr>
-                                        <p:cTn id="7" dur="500"/>
+                                        <p:cTn id="16" dur="500"/>
                                         <p:tgtEl>
                                           <p:spTgt spid="17"/>
                                         </p:tgtEl>
@@ -15370,20 +15408,20 @@
                           </p:cTn>
                         </p:par>
                         <p:par>
-                          <p:cTn id="8" fill="hold">
+                          <p:cTn id="17" fill="hold">
                             <p:stCondLst>
-                              <p:cond delay="500"/>
+                              <p:cond delay="1000"/>
                             </p:stCondLst>
                             <p:childTnLst>
                               <p:par>
-                                <p:cTn id="9" presetID="6" presetClass="emph" presetSubtype="0" fill="hold" nodeType="afterEffect">
+                                <p:cTn id="18" presetID="6" presetClass="emph" presetSubtype="0" fill="hold" nodeType="afterEffect">
                                   <p:stCondLst>
                                     <p:cond delay="0"/>
                                   </p:stCondLst>
                                   <p:childTnLst>
                                     <p:animScale>
                                       <p:cBhvr>
-                                        <p:cTn id="10" dur="1000" fill="hold"/>
+                                        <p:cTn id="19" dur="1000" fill="hold"/>
                                         <p:tgtEl>
                                           <p:spTgt spid="16"/>
                                         </p:tgtEl>
@@ -15394,14 +15432,14 @@
                                 </p:cTn>
                               </p:par>
                               <p:par>
-                                <p:cTn id="11" presetID="0" presetClass="path" presetSubtype="0" accel="50000" decel="50000" fill="hold" nodeType="withEffect">
+                                <p:cTn id="20" presetID="0" presetClass="path" presetSubtype="0" accel="50000" decel="50000" fill="hold" nodeType="withEffect">
                                   <p:stCondLst>
                                     <p:cond delay="0"/>
                                   </p:stCondLst>
                                   <p:childTnLst>
                                     <p:animMotion origin="layout" path="M -0.00078 -0.00625 L -0.57969 -0.00625 " pathEditMode="relative" rAng="0" ptsTypes="AA">
                                       <p:cBhvr>
-                                        <p:cTn id="12" dur="2000" fill="hold"/>
+                                        <p:cTn id="21" dur="2000" fill="hold"/>
                                         <p:tgtEl>
                                           <p:spTgt spid="16"/>
                                         </p:tgtEl>
@@ -15419,20 +15457,20 @@
                           </p:cTn>
                         </p:par>
                         <p:par>
-                          <p:cTn id="13" fill="hold">
+                          <p:cTn id="22" fill="hold">
                             <p:stCondLst>
-                              <p:cond delay="2500"/>
+                              <p:cond delay="3000"/>
                             </p:stCondLst>
                             <p:childTnLst>
                               <p:par>
-                                <p:cTn id="14" presetID="10" presetClass="entr" presetSubtype="0" fill="hold" grpId="0" nodeType="afterEffect">
+                                <p:cTn id="23" presetID="10" presetClass="entr" presetSubtype="0" fill="hold" grpId="0" nodeType="afterEffect">
                                   <p:stCondLst>
                                     <p:cond delay="0"/>
                                   </p:stCondLst>
                                   <p:childTnLst>
                                     <p:set>
                                       <p:cBhvr>
-                                        <p:cTn id="15" dur="1" fill="hold">
+                                        <p:cTn id="24" dur="1" fill="hold">
                                           <p:stCondLst>
                                             <p:cond delay="0"/>
                                           </p:stCondLst>
@@ -15450,7 +15488,7 @@
                                     </p:set>
                                     <p:animEffect transition="in" filter="fade">
                                       <p:cBhvr>
-                                        <p:cTn id="16" dur="500"/>
+                                        <p:cTn id="25" dur="500"/>
                                         <p:tgtEl>
                                           <p:spTgt spid="25"/>
                                         </p:tgtEl>
@@ -15460,14 +15498,14 @@
                                 </p:cTn>
                               </p:par>
                               <p:par>
-                                <p:cTn id="17" presetID="10" presetClass="entr" presetSubtype="0" fill="hold" nodeType="withEffect">
+                                <p:cTn id="26" presetID="10" presetClass="entr" presetSubtype="0" fill="hold" nodeType="withEffect">
                                   <p:stCondLst>
                                     <p:cond delay="0"/>
                                   </p:stCondLst>
                                   <p:childTnLst>
                                     <p:set>
                                       <p:cBhvr>
-                                        <p:cTn id="18" dur="1" fill="hold">
+                                        <p:cTn id="27" dur="1" fill="hold">
                                           <p:stCondLst>
                                             <p:cond delay="0"/>
                                           </p:stCondLst>
@@ -15485,7 +15523,7 @@
                                     </p:set>
                                     <p:animEffect transition="in" filter="fade">
                                       <p:cBhvr>
-                                        <p:cTn id="19" dur="500"/>
+                                        <p:cTn id="28" dur="500"/>
                                         <p:tgtEl>
                                           <p:spTgt spid="20"/>
                                         </p:tgtEl>
@@ -15495,14 +15533,14 @@
                                 </p:cTn>
                               </p:par>
                               <p:par>
-                                <p:cTn id="20" presetID="10" presetClass="entr" presetSubtype="0" fill="hold" nodeType="withEffect">
+                                <p:cTn id="29" presetID="10" presetClass="entr" presetSubtype="0" fill="hold" nodeType="withEffect">
                                   <p:stCondLst>
                                     <p:cond delay="0"/>
                                   </p:stCondLst>
                                   <p:childTnLst>
                                     <p:set>
                                       <p:cBhvr>
-                                        <p:cTn id="21" dur="1" fill="hold">
+                                        <p:cTn id="30" dur="1" fill="hold">
                                           <p:stCondLst>
                                             <p:cond delay="0"/>
                                           </p:stCondLst>
@@ -15520,7 +15558,7 @@
                                     </p:set>
                                     <p:animEffect transition="in" filter="fade">
                                       <p:cBhvr>
-                                        <p:cTn id="22" dur="500"/>
+                                        <p:cTn id="31" dur="500"/>
                                         <p:tgtEl>
                                           <p:spTgt spid="27"/>
                                         </p:tgtEl>
@@ -15533,20 +15571,20 @@
                           </p:cTn>
                         </p:par>
                         <p:par>
-                          <p:cTn id="23" fill="hold">
+                          <p:cTn id="32" fill="hold">
                             <p:stCondLst>
-                              <p:cond delay="3000"/>
+                              <p:cond delay="3500"/>
                             </p:stCondLst>
                             <p:childTnLst>
                               <p:par>
-                                <p:cTn id="24" presetID="1" presetClass="entr" presetSubtype="0" fill="hold" nodeType="afterEffect">
+                                <p:cTn id="33" presetID="1" presetClass="entr" presetSubtype="0" fill="hold" nodeType="afterEffect">
                                   <p:stCondLst>
                                     <p:cond delay="0"/>
                                   </p:stCondLst>
                                   <p:childTnLst>
                                     <p:set>
                                       <p:cBhvr>
-                                        <p:cTn id="25" dur="1" fill="hold">
+                                        <p:cTn id="34" dur="1" fill="hold">
                                           <p:stCondLst>
                                             <p:cond delay="0"/>
                                           </p:stCondLst>
@@ -15566,14 +15604,14 @@
                                 </p:cTn>
                               </p:par>
                               <p:par>
-                                <p:cTn id="26" presetID="1" presetClass="entr" presetSubtype="0" fill="hold" nodeType="withEffect">
+                                <p:cTn id="35" presetID="1" presetClass="entr" presetSubtype="0" fill="hold" nodeType="withEffect">
                                   <p:stCondLst>
                                     <p:cond delay="0"/>
                                   </p:stCondLst>
                                   <p:childTnLst>
                                     <p:set>
                                       <p:cBhvr>
-                                        <p:cTn id="27" dur="1" fill="hold">
+                                        <p:cTn id="36" dur="1" fill="hold">
                                           <p:stCondLst>
                                             <p:cond delay="0"/>
                                           </p:stCondLst>
@@ -15596,20 +15634,20 @@
                           </p:cTn>
                         </p:par>
                         <p:par>
-                          <p:cTn id="28" fill="hold">
+                          <p:cTn id="37" fill="hold">
                             <p:stCondLst>
-                              <p:cond delay="3000"/>
+                              <p:cond delay="3500"/>
                             </p:stCondLst>
                             <p:childTnLst>
                               <p:par>
-                                <p:cTn id="29" presetID="10" presetClass="entr" presetSubtype="0" fill="hold" nodeType="afterEffect">
+                                <p:cTn id="38" presetID="10" presetClass="entr" presetSubtype="0" fill="hold" nodeType="afterEffect">
                                   <p:stCondLst>
                                     <p:cond delay="0"/>
                                   </p:stCondLst>
                                   <p:childTnLst>
                                     <p:set>
                                       <p:cBhvr>
-                                        <p:cTn id="30" dur="1" fill="hold">
+                                        <p:cTn id="39" dur="1" fill="hold">
                                           <p:stCondLst>
                                             <p:cond delay="0"/>
                                           </p:stCondLst>
@@ -15627,108 +15665,12 @@
                                     </p:set>
                                     <p:animEffect transition="in" filter="fade">
                                       <p:cBhvr>
-                                        <p:cTn id="31" dur="500"/>
+                                        <p:cTn id="40" dur="500"/>
                                         <p:tgtEl>
                                           <p:spTgt spid="28"/>
                                         </p:tgtEl>
                                       </p:cBhvr>
                                     </p:animEffect>
-                                  </p:childTnLst>
-                                </p:cTn>
-                              </p:par>
-                              <p:par>
-                                <p:cTn id="32" presetID="10" presetClass="entr" presetSubtype="0" fill="hold" nodeType="withEffect">
-                                  <p:stCondLst>
-                                    <p:cond delay="0"/>
-                                  </p:stCondLst>
-                                  <p:childTnLst>
-                                    <p:set>
-                                      <p:cBhvr>
-                                        <p:cTn id="33" dur="1" fill="hold">
-                                          <p:stCondLst>
-                                            <p:cond delay="0"/>
-                                          </p:stCondLst>
-                                        </p:cTn>
-                                        <p:tgtEl>
-                                          <p:spTgt spid="35"/>
-                                        </p:tgtEl>
-                                        <p:attrNameLst>
-                                          <p:attrName>style.visibility</p:attrName>
-                                        </p:attrNameLst>
-                                      </p:cBhvr>
-                                      <p:to>
-                                        <p:strVal val="visible"/>
-                                      </p:to>
-                                    </p:set>
-                                    <p:animEffect transition="in" filter="fade">
-                                      <p:cBhvr>
-                                        <p:cTn id="34" dur="500"/>
-                                        <p:tgtEl>
-                                          <p:spTgt spid="35"/>
-                                        </p:tgtEl>
-                                      </p:cBhvr>
-                                    </p:animEffect>
-                                  </p:childTnLst>
-                                </p:cTn>
-                              </p:par>
-                            </p:childTnLst>
-                          </p:cTn>
-                        </p:par>
-                        <p:par>
-                          <p:cTn id="35" fill="hold">
-                            <p:stCondLst>
-                              <p:cond delay="3500"/>
-                            </p:stCondLst>
-                            <p:childTnLst>
-                              <p:par>
-                                <p:cTn id="36" presetID="0" presetClass="path" presetSubtype="0" accel="50000" decel="50000" fill="hold" nodeType="afterEffect">
-                                  <p:stCondLst>
-                                    <p:cond delay="0"/>
-                                  </p:stCondLst>
-                                  <p:childTnLst>
-                                    <p:animMotion origin="layout" path="M -2.70833E-6 0 L 0.30182 0.00995 " pathEditMode="relative" rAng="0" ptsTypes="AA">
-                                      <p:cBhvr>
-                                        <p:cTn id="37" dur="2000" fill="hold"/>
-                                        <p:tgtEl>
-                                          <p:spTgt spid="28"/>
-                                        </p:tgtEl>
-                                        <p:attrNameLst>
-                                          <p:attrName>ppt_x</p:attrName>
-                                          <p:attrName>ppt_y</p:attrName>
-                                        </p:attrNameLst>
-                                      </p:cBhvr>
-                                      <p:rCtr x="15000" y="116"/>
-                                    </p:animMotion>
-                                  </p:childTnLst>
-                                </p:cTn>
-                              </p:par>
-                            </p:childTnLst>
-                          </p:cTn>
-                        </p:par>
-                        <p:par>
-                          <p:cTn id="38" fill="hold">
-                            <p:stCondLst>
-                              <p:cond delay="5500"/>
-                            </p:stCondLst>
-                            <p:childTnLst>
-                              <p:par>
-                                <p:cTn id="39" presetID="0" presetClass="path" presetSubtype="0" accel="50000" decel="50000" fill="hold" nodeType="afterEffect">
-                                  <p:stCondLst>
-                                    <p:cond delay="1000"/>
-                                  </p:stCondLst>
-                                  <p:childTnLst>
-                                    <p:animMotion origin="layout" path="M 0.30183 0.00995 L 0.60339 0.00995 " pathEditMode="relative" ptsTypes="AA">
-                                      <p:cBhvr>
-                                        <p:cTn id="40" dur="2000" fill="hold"/>
-                                        <p:tgtEl>
-                                          <p:spTgt spid="28"/>
-                                        </p:tgtEl>
-                                        <p:attrNameLst>
-                                          <p:attrName>ppt_x</p:attrName>
-                                          <p:attrName>ppt_y</p:attrName>
-                                        </p:attrNameLst>
-                                      </p:cBhvr>
-                                    </p:animMotion>
                                   </p:childTnLst>
                                 </p:cTn>
                               </p:par>
@@ -15773,18 +15715,114 @@
                         <p:par>
                           <p:cTn id="44" fill="hold">
                             <p:stCondLst>
-                              <p:cond delay="8500"/>
+                              <p:cond delay="4000"/>
                             </p:stCondLst>
                             <p:childTnLst>
                               <p:par>
-                                <p:cTn id="45" presetID="10" presetClass="entr" presetSubtype="0" fill="hold" nodeType="afterEffect">
+                                <p:cTn id="45" presetID="0" presetClass="path" presetSubtype="0" accel="50000" decel="50000" fill="hold" nodeType="afterEffect">
+                                  <p:stCondLst>
+                                    <p:cond delay="0"/>
+                                  </p:stCondLst>
+                                  <p:childTnLst>
+                                    <p:animMotion origin="layout" path="M -2.70833E-6 0 L 0.30182 0.00995 " pathEditMode="relative" rAng="0" ptsTypes="AA">
+                                      <p:cBhvr>
+                                        <p:cTn id="46" dur="2000" fill="hold"/>
+                                        <p:tgtEl>
+                                          <p:spTgt spid="28"/>
+                                        </p:tgtEl>
+                                        <p:attrNameLst>
+                                          <p:attrName>ppt_x</p:attrName>
+                                          <p:attrName>ppt_y</p:attrName>
+                                        </p:attrNameLst>
+                                      </p:cBhvr>
+                                      <p:rCtr x="15000" y="116"/>
+                                    </p:animMotion>
+                                  </p:childTnLst>
+                                </p:cTn>
+                              </p:par>
+                            </p:childTnLst>
+                          </p:cTn>
+                        </p:par>
+                        <p:par>
+                          <p:cTn id="47" fill="hold">
+                            <p:stCondLst>
+                              <p:cond delay="6000"/>
+                            </p:stCondLst>
+                            <p:childTnLst>
+                              <p:par>
+                                <p:cTn id="48" presetID="0" presetClass="path" presetSubtype="0" accel="50000" decel="50000" fill="hold" nodeType="afterEffect">
+                                  <p:stCondLst>
+                                    <p:cond delay="1000"/>
+                                  </p:stCondLst>
+                                  <p:childTnLst>
+                                    <p:animMotion origin="layout" path="M 0.30183 0.00995 L 0.60339 0.00995 " pathEditMode="relative" ptsTypes="AA">
+                                      <p:cBhvr>
+                                        <p:cTn id="49" dur="2000" fill="hold"/>
+                                        <p:tgtEl>
+                                          <p:spTgt spid="28"/>
+                                        </p:tgtEl>
+                                        <p:attrNameLst>
+                                          <p:attrName>ppt_x</p:attrName>
+                                          <p:attrName>ppt_y</p:attrName>
+                                        </p:attrNameLst>
+                                      </p:cBhvr>
+                                    </p:animMotion>
+                                  </p:childTnLst>
+                                </p:cTn>
+                              </p:par>
+                              <p:par>
+                                <p:cTn id="50" presetID="10" presetClass="entr" presetSubtype="0" fill="hold" nodeType="withEffect">
                                   <p:stCondLst>
                                     <p:cond delay="0"/>
                                   </p:stCondLst>
                                   <p:childTnLst>
                                     <p:set>
                                       <p:cBhvr>
-                                        <p:cTn id="46" dur="1" fill="hold">
+                                        <p:cTn id="51" dur="1" fill="hold">
+                                          <p:stCondLst>
+                                            <p:cond delay="0"/>
+                                          </p:stCondLst>
+                                        </p:cTn>
+                                        <p:tgtEl>
+                                          <p:spTgt spid="35"/>
+                                        </p:tgtEl>
+                                        <p:attrNameLst>
+                                          <p:attrName>style.visibility</p:attrName>
+                                        </p:attrNameLst>
+                                      </p:cBhvr>
+                                      <p:to>
+                                        <p:strVal val="visible"/>
+                                      </p:to>
+                                    </p:set>
+                                    <p:animEffect transition="in" filter="fade">
+                                      <p:cBhvr>
+                                        <p:cTn id="52" dur="500"/>
+                                        <p:tgtEl>
+                                          <p:spTgt spid="35"/>
+                                        </p:tgtEl>
+                                      </p:cBhvr>
+                                    </p:animEffect>
+                                  </p:childTnLst>
+                                </p:cTn>
+                              </p:par>
+                            </p:childTnLst>
+                          </p:cTn>
+                        </p:par>
+                        <p:par>
+                          <p:cTn id="53" fill="hold">
+                            <p:stCondLst>
+                              <p:cond delay="9000"/>
+                            </p:stCondLst>
+                            <p:childTnLst>
+                              <p:par>
+                                <p:cTn id="54" presetID="10" presetClass="entr" presetSubtype="0" fill="hold" nodeType="afterEffect">
+                                  <p:stCondLst>
+                                    <p:cond delay="0"/>
+                                  </p:stCondLst>
+                                  <p:childTnLst>
+                                    <p:set>
+                                      <p:cBhvr>
+                                        <p:cTn id="55" dur="1" fill="hold">
                                           <p:stCondLst>
                                             <p:cond delay="0"/>
                                           </p:stCondLst>
@@ -15802,7 +15840,7 @@
                                     </p:set>
                                     <p:animEffect transition="in" filter="fade">
                                       <p:cBhvr>
-                                        <p:cTn id="47" dur="500"/>
+                                        <p:cTn id="56" dur="500"/>
                                         <p:tgtEl>
                                           <p:spTgt spid="31"/>
                                         </p:tgtEl>
@@ -15815,20 +15853,20 @@
                           </p:cTn>
                         </p:par>
                         <p:par>
-                          <p:cTn id="48" fill="hold">
+                          <p:cTn id="57" fill="hold">
                             <p:stCondLst>
-                              <p:cond delay="9000"/>
+                              <p:cond delay="9500"/>
                             </p:stCondLst>
                             <p:childTnLst>
                               <p:par>
-                                <p:cTn id="49" presetID="10" presetClass="exit" presetSubtype="0" fill="hold" nodeType="afterEffect">
+                                <p:cTn id="58" presetID="10" presetClass="exit" presetSubtype="0" fill="hold" nodeType="afterEffect">
                                   <p:stCondLst>
                                     <p:cond delay="2000"/>
                                   </p:stCondLst>
                                   <p:childTnLst>
                                     <p:animEffect transition="out" filter="fade">
                                       <p:cBhvr>
-                                        <p:cTn id="50" dur="500"/>
+                                        <p:cTn id="59" dur="500"/>
                                         <p:tgtEl>
                                           <p:spTgt spid="31"/>
                                         </p:tgtEl>
@@ -15836,7 +15874,7 @@
                                     </p:animEffect>
                                     <p:set>
                                       <p:cBhvr>
-                                        <p:cTn id="51" dur="1" fill="hold">
+                                        <p:cTn id="60" dur="1" fill="hold">
                                           <p:stCondLst>
                                             <p:cond delay="499"/>
                                           </p:stCondLst>
@@ -15859,20 +15897,20 @@
                           </p:cTn>
                         </p:par>
                         <p:par>
-                          <p:cTn id="52" fill="hold">
+                          <p:cTn id="61" fill="hold">
                             <p:stCondLst>
-                              <p:cond delay="11500"/>
+                              <p:cond delay="12000"/>
                             </p:stCondLst>
                             <p:childTnLst>
                               <p:par>
-                                <p:cTn id="53" presetID="0" presetClass="path" presetSubtype="0" accel="50000" decel="50000" fill="hold" nodeType="afterEffect">
+                                <p:cTn id="62" presetID="0" presetClass="path" presetSubtype="0" accel="50000" decel="50000" fill="hold" nodeType="afterEffect">
                                   <p:stCondLst>
                                     <p:cond delay="0"/>
                                   </p:stCondLst>
                                   <p:childTnLst>
                                     <p:animMotion origin="layout" path="M 0.0237 -0.03773 L 0.60261 -0.03773 " pathEditMode="relative" rAng="0" ptsTypes="AA">
                                       <p:cBhvr>
-                                        <p:cTn id="54" dur="3000" fill="hold"/>
+                                        <p:cTn id="63" dur="3000" fill="hold"/>
                                         <p:tgtEl>
                                           <p:spTgt spid="35"/>
                                         </p:tgtEl>
@@ -15890,20 +15928,20 @@
                           </p:cTn>
                         </p:par>
                         <p:par>
-                          <p:cTn id="55" fill="hold">
+                          <p:cTn id="64" fill="hold">
                             <p:stCondLst>
-                              <p:cond delay="14500"/>
+                              <p:cond delay="15000"/>
                             </p:stCondLst>
                             <p:childTnLst>
                               <p:par>
-                                <p:cTn id="56" presetID="0" presetClass="path" presetSubtype="0" accel="50000" decel="50000" fill="hold" nodeType="afterEffect">
+                                <p:cTn id="65" presetID="0" presetClass="path" presetSubtype="0" accel="50000" decel="50000" fill="hold" nodeType="afterEffect">
                                   <p:stCondLst>
                                     <p:cond delay="0"/>
                                   </p:stCondLst>
                                   <p:childTnLst>
                                     <p:animMotion origin="layout" path="M 1.875E-6 -0.00324 L -0.59427 -0.00324 " pathEditMode="relative" ptsTypes="AA">
                                       <p:cBhvr>
-                                        <p:cTn id="57" dur="3000" fill="hold"/>
+                                        <p:cTn id="66" dur="3000" fill="hold"/>
                                         <p:tgtEl>
                                           <p:spTgt spid="42"/>
                                         </p:tgtEl>
@@ -15917,14 +15955,14 @@
                                 </p:cTn>
                               </p:par>
                               <p:par>
-                                <p:cTn id="58" presetID="10" presetClass="entr" presetSubtype="0" fill="hold" grpId="0" nodeType="withEffect">
+                                <p:cTn id="67" presetID="10" presetClass="entr" presetSubtype="0" fill="hold" grpId="0" nodeType="withEffect">
                                   <p:stCondLst>
                                     <p:cond delay="0"/>
                                   </p:stCondLst>
                                   <p:childTnLst>
                                     <p:set>
                                       <p:cBhvr>
-                                        <p:cTn id="59" dur="1" fill="hold">
+                                        <p:cTn id="68" dur="1" fill="hold">
                                           <p:stCondLst>
                                             <p:cond delay="0"/>
                                           </p:stCondLst>
@@ -15942,7 +15980,7 @@
                                     </p:set>
                                     <p:animEffect transition="in" filter="fade">
                                       <p:cBhvr>
-                                        <p:cTn id="60" dur="500"/>
+                                        <p:cTn id="69" dur="500"/>
                                         <p:tgtEl>
                                           <p:spTgt spid="48"/>
                                         </p:tgtEl>
@@ -15981,8 +16019,207 @@
     <p:bldLst>
       <p:bldP spid="25" grpId="0"/>
       <p:bldP spid="48" grpId="0"/>
+      <p:bldP spid="2" grpId="0" uiExpand="1" build="p"/>
+      <p:bldP spid="2" grpId="1" uiExpand="1" build="p"/>
     </p:bldLst>
   </p:timing>
+</p:sld>
+</file>
+
+<file path=ppt/slides/slide8.xml><?xml version="1.0" encoding="utf-8"?>
+<p:sld xmlns:a="http://schemas.openxmlformats.org/drawingml/2006/main" xmlns:r="http://schemas.openxmlformats.org/officeDocument/2006/relationships" xmlns:p="http://schemas.openxmlformats.org/presentationml/2006/main">
+  <p:cSld>
+    <p:spTree>
+      <p:nvGrpSpPr>
+        <p:cNvPr id="1" name=""/>
+        <p:cNvGrpSpPr/>
+        <p:nvPr/>
+      </p:nvGrpSpPr>
+      <p:grpSpPr>
+        <a:xfrm>
+          <a:off x="0" y="0"/>
+          <a:ext cx="0" cy="0"/>
+          <a:chOff x="0" y="0"/>
+          <a:chExt cx="0" cy="0"/>
+        </a:xfrm>
+      </p:grpSpPr>
+      <p:sp>
+        <p:nvSpPr>
+          <p:cNvPr id="4" name="Slide Number Placeholder 3"/>
+          <p:cNvSpPr>
+            <a:spLocks noGrp="1"/>
+          </p:cNvSpPr>
+          <p:nvPr>
+            <p:ph type="sldNum" sz="quarter" idx="10"/>
+          </p:nvPr>
+        </p:nvSpPr>
+        <p:spPr>
+          <a:xfrm>
+            <a:off x="6051121" y="6510169"/>
+            <a:ext cx="89768" cy="194669"/>
+          </a:xfrm>
+        </p:spPr>
+        <p:txBody>
+          <a:bodyPr/>
+          <a:lstStyle/>
+          <a:p>
+            <a:pPr>
+              <a:defRPr/>
+            </a:pPr>
+            <a:fld id="{D3046D45-FC88-4EF3-BBF3-C3E9EDC4F79A}" type="slidenum">
+              <a:rPr lang="en-US" smtClean="0"/>
+              <a:pPr>
+                <a:defRPr/>
+              </a:pPr>
+              <a:t>8</a:t>
+            </a:fld>
+            <a:endParaRPr lang="en-US"/>
+          </a:p>
+        </p:txBody>
+      </p:sp>
+      <p:sp>
+        <p:nvSpPr>
+          <p:cNvPr id="5" name="Text Placeholder 4"/>
+          <p:cNvSpPr>
+            <a:spLocks noGrp="1"/>
+          </p:cNvSpPr>
+          <p:nvPr>
+            <p:ph type="body" sz="quarter" idx="11"/>
+          </p:nvPr>
+        </p:nvSpPr>
+        <p:spPr>
+          <a:xfrm>
+            <a:off x="556260" y="1052006"/>
+            <a:ext cx="9983724" cy="5078791"/>
+          </a:xfrm>
+        </p:spPr>
+        <p:txBody>
+          <a:bodyPr/>
+          <a:lstStyle/>
+          <a:p>
+            <a:r>
+              <a:rPr lang="en-US" dirty="0"/>
+              <a:t>Pipes:</a:t>
+            </a:r>
+          </a:p>
+          <a:p>
+            <a:pPr lvl="1"/>
+            <a:r>
+              <a:rPr lang="en-US" dirty="0"/>
+              <a:t>Pipes are an Intel-supported SYCL extension that adds FIFO implementations to support spatial architectures on FPGAs</a:t>
+            </a:r>
+          </a:p>
+          <a:p>
+            <a:pPr lvl="2"/>
+            <a:r>
+              <a:rPr lang="en-US" sz="2000" dirty="0"/>
+              <a:t>Extension is included with the oneAPI base toolkit</a:t>
+            </a:r>
+          </a:p>
+          <a:p>
+            <a:pPr lvl="1"/>
+            <a:r>
+              <a:rPr lang="en-US" dirty="0"/>
+              <a:t>Pipes store information in registers on the FPGA, which allows for communication between kernels (or other FPGAs) without using off-chip memory</a:t>
+            </a:r>
+          </a:p>
+          <a:p>
+            <a:pPr lvl="2"/>
+            <a:r>
+              <a:rPr lang="en-US" sz="2000" dirty="0"/>
+              <a:t>Avoids PCIe bottleneck</a:t>
+            </a:r>
+          </a:p>
+          <a:p>
+            <a:pPr lvl="1"/>
+            <a:r>
+              <a:rPr lang="en-US" dirty="0"/>
+              <a:t>Types of pipes:</a:t>
+            </a:r>
+          </a:p>
+          <a:p>
+            <a:pPr lvl="2"/>
+            <a:r>
+              <a:rPr lang="en-US" sz="2000" dirty="0"/>
+              <a:t>Inter-kernel, Intra-kernel, Host, and I/O</a:t>
+            </a:r>
+          </a:p>
+          <a:p>
+            <a:pPr lvl="1"/>
+            <a:endParaRPr lang="en-US" sz="2000" dirty="0"/>
+          </a:p>
+          <a:p>
+            <a:pPr lvl="1"/>
+            <a:endParaRPr lang="en-US" dirty="0"/>
+          </a:p>
+          <a:p>
+            <a:pPr lvl="1">
+              <a:buFont typeface="Wingdings" panose="05000000000000000000" pitchFamily="2" charset="2"/>
+              <a:buChar char="§"/>
+            </a:pPr>
+            <a:endParaRPr lang="en-US" dirty="0"/>
+          </a:p>
+          <a:p>
+            <a:pPr marL="55397" indent="0">
+              <a:buNone/>
+            </a:pPr>
+            <a:endParaRPr lang="en-US" sz="2000" dirty="0"/>
+          </a:p>
+          <a:p>
+            <a:pPr marL="55397" indent="0">
+              <a:buNone/>
+            </a:pPr>
+            <a:endParaRPr lang="en-US" sz="2000" dirty="0"/>
+          </a:p>
+        </p:txBody>
+      </p:sp>
+      <p:sp>
+        <p:nvSpPr>
+          <p:cNvPr id="24" name="Title 2">
+            <a:extLst>
+              <a:ext uri="{FF2B5EF4-FFF2-40B4-BE49-F238E27FC236}">
+                <a16:creationId xmlns:a16="http://schemas.microsoft.com/office/drawing/2014/main" id="{3C12BE01-6303-7351-5783-EA532E4517E5}"/>
+              </a:ext>
+            </a:extLst>
+          </p:cNvPr>
+          <p:cNvSpPr>
+            <a:spLocks noGrp="1"/>
+          </p:cNvSpPr>
+          <p:nvPr>
+            <p:ph type="title"/>
+          </p:nvPr>
+        </p:nvSpPr>
+        <p:spPr>
+          <a:xfrm>
+            <a:off x="1527175" y="0"/>
+            <a:ext cx="9415463" cy="866775"/>
+          </a:xfrm>
+        </p:spPr>
+        <p:txBody>
+          <a:bodyPr/>
+          <a:lstStyle/>
+          <a:p>
+            <a:r>
+              <a:rPr lang="en-US" sz="4000" dirty="0"/>
+              <a:t>Optimizing for FPGAs</a:t>
+            </a:r>
+          </a:p>
+        </p:txBody>
+      </p:sp>
+    </p:spTree>
+    <p:custDataLst>
+      <p:tags r:id="rId1"/>
+    </p:custDataLst>
+    <p:extLst>
+      <p:ext uri="{BB962C8B-B14F-4D97-AF65-F5344CB8AC3E}">
+        <p14:creationId xmlns:p14="http://schemas.microsoft.com/office/powerpoint/2010/main" val="2223735242"/>
+      </p:ext>
+    </p:extLst>
+  </p:cSld>
+  <p:clrMapOvr>
+    <a:masterClrMapping/>
+  </p:clrMapOvr>
+  <p:transition spd="med" advTm="297800"/>
 </p:sld>
 </file>
 
@@ -16044,15 +16281,7 @@
           <a:p>
             <a:r>
               <a:rPr lang="en-US" sz="1800" dirty="0"/>
-              <a:t>For FPGA, the board support package provided in the intel </a:t>
-            </a:r>
-            <a:r>
-              <a:rPr lang="en-US" sz="1800" dirty="0" err="1"/>
-              <a:t>oneapi</a:t>
-            </a:r>
-            <a:r>
-              <a:rPr lang="en-US" sz="1800" dirty="0"/>
-              <a:t> base toolkit will convert the SYCL device code to Verilog RTL code (early FPGA image)</a:t>
+              <a:t>For FPGA, the board support package provided in the intel oneAPI base toolkit will convert the SYCL device code to Verilog RTL code (early FPGA image)</a:t>
             </a:r>
           </a:p>
           <a:p>

--- a/Slides/SYCL_FPGA.pptx
+++ b/Slides/SYCL_FPGA.pptx
@@ -137,7 +137,7 @@
   <pc:docChgLst>
     <pc:chgData name="Woodward, Cale" userId="e20533ad-01a2-4015-a60e-3fb30981d184" providerId="ADAL" clId="{73F2F897-A22A-5D44-81B7-6577744E347F}"/>
     <pc:docChg chg="undo redo custSel addSld delSld modSld sldOrd delMainMaster">
-      <pc:chgData name="Woodward, Cale" userId="e20533ad-01a2-4015-a60e-3fb30981d184" providerId="ADAL" clId="{73F2F897-A22A-5D44-81B7-6577744E347F}" dt="2023-01-25T05:18:19.482" v="4121" actId="20577"/>
+      <pc:chgData name="Woodward, Cale" userId="e20533ad-01a2-4015-a60e-3fb30981d184" providerId="ADAL" clId="{73F2F897-A22A-5D44-81B7-6577744E347F}" dt="2023-01-25T05:25:59.829" v="4200" actId="20577"/>
       <pc:docMkLst>
         <pc:docMk/>
       </pc:docMkLst>
@@ -249,13 +249,13 @@
         </pc:spChg>
       </pc:sldChg>
       <pc:sldChg chg="modSp mod">
-        <pc:chgData name="Woodward, Cale" userId="e20533ad-01a2-4015-a60e-3fb30981d184" providerId="ADAL" clId="{73F2F897-A22A-5D44-81B7-6577744E347F}" dt="2023-01-25T05:14:19.916" v="3787" actId="20577"/>
+        <pc:chgData name="Woodward, Cale" userId="e20533ad-01a2-4015-a60e-3fb30981d184" providerId="ADAL" clId="{73F2F897-A22A-5D44-81B7-6577744E347F}" dt="2023-01-25T05:25:59.829" v="4200" actId="20577"/>
         <pc:sldMkLst>
           <pc:docMk/>
           <pc:sldMk cId="2223735242" sldId="281"/>
         </pc:sldMkLst>
         <pc:spChg chg="mod">
-          <ac:chgData name="Woodward, Cale" userId="e20533ad-01a2-4015-a60e-3fb30981d184" providerId="ADAL" clId="{73F2F897-A22A-5D44-81B7-6577744E347F}" dt="2023-01-25T05:12:23.541" v="3761" actId="255"/>
+          <ac:chgData name="Woodward, Cale" userId="e20533ad-01a2-4015-a60e-3fb30981d184" providerId="ADAL" clId="{73F2F897-A22A-5D44-81B7-6577744E347F}" dt="2023-01-25T05:25:59.829" v="4200" actId="20577"/>
           <ac:spMkLst>
             <pc:docMk/>
             <pc:sldMk cId="2223735242" sldId="281"/>
@@ -2606,7 +2606,7 @@
           <a:p>
             <a:fld id="{CE93C5F8-B485-49E0-8F29-8B3CDC822A55}" type="datetimeFigureOut">
               <a:rPr lang="en-US" smtClean="0"/>
-              <a:t>1/24/23</a:t>
+              <a:t>1/25/23</a:t>
             </a:fld>
             <a:endParaRPr lang="en-US"/>
           </a:p>
@@ -3032,6 +3032,90 @@
     <p:extLst>
       <p:ext uri="{BB962C8B-B14F-4D97-AF65-F5344CB8AC3E}">
         <p14:creationId xmlns:p14="http://schemas.microsoft.com/office/powerpoint/2010/main" val="870750197"/>
+      </p:ext>
+    </p:extLst>
+  </p:cSld>
+  <p:clrMapOvr>
+    <a:masterClrMapping/>
+  </p:clrMapOvr>
+</p:notes>
+</file>
+
+<file path=ppt/notesSlides/notesSlide3.xml><?xml version="1.0" encoding="utf-8"?>
+<p:notes xmlns:a="http://schemas.openxmlformats.org/drawingml/2006/main" xmlns:r="http://schemas.openxmlformats.org/officeDocument/2006/relationships" xmlns:p="http://schemas.openxmlformats.org/presentationml/2006/main">
+  <p:cSld>
+    <p:spTree>
+      <p:nvGrpSpPr>
+        <p:cNvPr id="1" name=""/>
+        <p:cNvGrpSpPr/>
+        <p:nvPr/>
+      </p:nvGrpSpPr>
+      <p:grpSpPr>
+        <a:xfrm>
+          <a:off x="0" y="0"/>
+          <a:ext cx="0" cy="0"/>
+          <a:chOff x="0" y="0"/>
+          <a:chExt cx="0" cy="0"/>
+        </a:xfrm>
+      </p:grpSpPr>
+      <p:sp>
+        <p:nvSpPr>
+          <p:cNvPr id="2" name="Slide Image Placeholder 1"/>
+          <p:cNvSpPr>
+            <a:spLocks noGrp="1" noRot="1" noChangeAspect="1"/>
+          </p:cNvSpPr>
+          <p:nvPr>
+            <p:ph type="sldImg"/>
+          </p:nvPr>
+        </p:nvSpPr>
+        <p:spPr/>
+      </p:sp>
+      <p:sp>
+        <p:nvSpPr>
+          <p:cNvPr id="3" name="Notes Placeholder 2"/>
+          <p:cNvSpPr>
+            <a:spLocks noGrp="1"/>
+          </p:cNvSpPr>
+          <p:nvPr>
+            <p:ph type="body" idx="1"/>
+          </p:nvPr>
+        </p:nvSpPr>
+        <p:spPr/>
+        <p:txBody>
+          <a:bodyPr/>
+          <a:lstStyle/>
+          <a:p>
+            <a:endParaRPr lang="en-US"/>
+          </a:p>
+        </p:txBody>
+      </p:sp>
+      <p:sp>
+        <p:nvSpPr>
+          <p:cNvPr id="4" name="Slide Number Placeholder 3"/>
+          <p:cNvSpPr>
+            <a:spLocks noGrp="1"/>
+          </p:cNvSpPr>
+          <p:nvPr>
+            <p:ph type="sldNum" sz="quarter" idx="5"/>
+          </p:nvPr>
+        </p:nvSpPr>
+        <p:spPr/>
+        <p:txBody>
+          <a:bodyPr/>
+          <a:lstStyle/>
+          <a:p>
+            <a:fld id="{55EB82C7-1BE7-4E90-92FB-8CD68061FFD1}" type="slidenum">
+              <a:rPr lang="en-US" smtClean="0"/>
+              <a:t>8</a:t>
+            </a:fld>
+            <a:endParaRPr lang="en-US"/>
+          </a:p>
+        </p:txBody>
+      </p:sp>
+    </p:spTree>
+    <p:extLst>
+      <p:ext uri="{BB962C8B-B14F-4D97-AF65-F5344CB8AC3E}">
+        <p14:creationId xmlns:p14="http://schemas.microsoft.com/office/powerpoint/2010/main" val="1110552713"/>
       </p:ext>
     </p:extLst>
   </p:cSld>
@@ -7411,7 +7495,7 @@
           </a:ln>
           <a:extLst>
             <a:ext uri="{C572A759-6A51-4108-AA02-DFA0A04FC94B}">
-              <ma14:wrappingTextBoxFlag xmlns="" xmlns:ma14="http://schemas.microsoft.com/office/mac/drawingml/2011/main" val="1"/>
+              <ma14:wrappingTextBoxFlag xmlns:ma14="http://schemas.microsoft.com/office/mac/drawingml/2011/main" xmlns="" val="1"/>
             </a:ext>
           </a:extLst>
         </p:spPr>
@@ -7618,7 +7702,7 @@
           </a:ln>
           <a:extLst>
             <a:ext uri="{C572A759-6A51-4108-AA02-DFA0A04FC94B}">
-              <ma14:wrappingTextBoxFlag xmlns="" xmlns:ma14="http://schemas.microsoft.com/office/mac/drawingml/2011/main" val="1"/>
+              <ma14:wrappingTextBoxFlag xmlns:ma14="http://schemas.microsoft.com/office/mac/drawingml/2011/main" xmlns="" val="1"/>
             </a:ext>
           </a:extLst>
         </p:spPr>
@@ -16120,14 +16204,14 @@
             <a:pPr lvl="1"/>
             <a:r>
               <a:rPr lang="en-US" dirty="0"/>
-              <a:t>Pipes store information in registers on the FPGA, which allows for communication between kernels (or other FPGAs) without using off-chip memory</a:t>
+              <a:t>Pipes store information in registers on the FPGA, which allows for communication between kernels or other FPGAs</a:t>
             </a:r>
           </a:p>
           <a:p>
             <a:pPr lvl="2"/>
             <a:r>
               <a:rPr lang="en-US" sz="2000" dirty="0"/>
-              <a:t>Avoids PCIe bottleneck</a:t>
+              <a:t>Avoids PCIe bottleneck with fewer transfers to off-chip memory</a:t>
             </a:r>
           </a:p>
           <a:p>
